--- a/Presentation1.pptx
+++ b/Presentation1.pptx
@@ -8,11 +8,11 @@
     <p:sldId id="256" r:id="rId2"/>
     <p:sldId id="257" r:id="rId3"/>
     <p:sldId id="258" r:id="rId4"/>
-    <p:sldId id="262" r:id="rId5"/>
+    <p:sldId id="269" r:id="rId5"/>
     <p:sldId id="267" r:id="rId6"/>
     <p:sldId id="261" r:id="rId7"/>
     <p:sldId id="268" r:id="rId8"/>
-    <p:sldId id="269" r:id="rId9"/>
+    <p:sldId id="262" r:id="rId9"/>
     <p:sldId id="260" r:id="rId10"/>
     <p:sldId id="263" r:id="rId11"/>
     <p:sldId id="264" r:id="rId12"/>
@@ -9298,10 +9298,10 @@
       </p:sp>
       <p:pic>
         <p:nvPicPr>
-          <p:cNvPr id="8" name="Content Placeholder 7" descr="A screenshot of a phone&#10;&#10;Description automatically generated">
-            <a:extLst>
-              <a:ext uri="{FF2B5EF4-FFF2-40B4-BE49-F238E27FC236}">
-                <a16:creationId xmlns:a16="http://schemas.microsoft.com/office/drawing/2014/main" id="{7D6B6D12-EFDA-8658-B306-403192156E7D}"/>
+          <p:cNvPr id="5" name="Content Placeholder 4" descr="Screens screenshots of a phone&#10;&#10;Description automatically generated">
+            <a:extLst>
+              <a:ext uri="{FF2B5EF4-FFF2-40B4-BE49-F238E27FC236}">
+                <a16:creationId xmlns:a16="http://schemas.microsoft.com/office/drawing/2014/main" id="{079A3305-1F94-DD75-B7B9-C7F48D9D522F}"/>
               </a:ext>
             </a:extLst>
           </p:cNvPr>
@@ -9320,17 +9320,20 @@
         </p:blipFill>
         <p:spPr>
           <a:xfrm>
-            <a:off x="275399" y="2148413"/>
-            <a:ext cx="5476532" cy="3802146"/>
+            <a:off x="2075679" y="1603915"/>
+            <a:ext cx="3499509" cy="5035266"/>
           </a:xfrm>
+          <a:prstGeom prst="rect">
+            <a:avLst/>
+          </a:prstGeom>
         </p:spPr>
       </p:pic>
       <p:pic>
         <p:nvPicPr>
-          <p:cNvPr id="10" name="Picture 9" descr="A screenshot of a video game&#10;&#10;Description automatically generated">
-            <a:extLst>
-              <a:ext uri="{FF2B5EF4-FFF2-40B4-BE49-F238E27FC236}">
-                <a16:creationId xmlns:a16="http://schemas.microsoft.com/office/drawing/2014/main" id="{F5C0586C-945A-1663-150F-C4F6782DDB9E}"/>
+          <p:cNvPr id="7" name="Picture 6" descr="A screenshot of a phone&#10;&#10;Description automatically generated">
+            <a:extLst>
+              <a:ext uri="{FF2B5EF4-FFF2-40B4-BE49-F238E27FC236}">
+                <a16:creationId xmlns:a16="http://schemas.microsoft.com/office/drawing/2014/main" id="{338DC9A7-BA20-832D-5EA2-D11448B6ED7B}"/>
               </a:ext>
             </a:extLst>
           </p:cNvPr>
@@ -9347,8 +9350,8 @@
         </p:blipFill>
         <p:spPr>
           <a:xfrm>
-            <a:off x="6193023" y="2148413"/>
-            <a:ext cx="5481684" cy="3802146"/>
+            <a:off x="7831619" y="1603916"/>
+            <a:ext cx="2328809" cy="5035265"/>
           </a:xfrm>
           <a:prstGeom prst="rect">
             <a:avLst/>
@@ -9358,7 +9361,7 @@
     </p:spTree>
     <p:extLst>
       <p:ext uri="{BB962C8B-B14F-4D97-AF65-F5344CB8AC3E}">
-        <p14:creationId xmlns:p14="http://schemas.microsoft.com/office/powerpoint/2010/main" val="1416773137"/>
+        <p14:creationId xmlns:p14="http://schemas.microsoft.com/office/powerpoint/2010/main" val="3564453964"/>
       </p:ext>
     </p:extLst>
   </p:cSld>
@@ -11409,10 +11412,10 @@
       </p:sp>
       <p:pic>
         <p:nvPicPr>
-          <p:cNvPr id="5" name="Content Placeholder 4" descr="Screens screenshots of a phone&#10;&#10;Description automatically generated">
-            <a:extLst>
-              <a:ext uri="{FF2B5EF4-FFF2-40B4-BE49-F238E27FC236}">
-                <a16:creationId xmlns:a16="http://schemas.microsoft.com/office/drawing/2014/main" id="{079A3305-1F94-DD75-B7B9-C7F48D9D522F}"/>
+          <p:cNvPr id="8" name="Content Placeholder 7" descr="A screenshot of a phone&#10;&#10;Description automatically generated">
+            <a:extLst>
+              <a:ext uri="{FF2B5EF4-FFF2-40B4-BE49-F238E27FC236}">
+                <a16:creationId xmlns:a16="http://schemas.microsoft.com/office/drawing/2014/main" id="{7D6B6D12-EFDA-8658-B306-403192156E7D}"/>
               </a:ext>
             </a:extLst>
           </p:cNvPr>
@@ -11431,20 +11434,17 @@
         </p:blipFill>
         <p:spPr>
           <a:xfrm>
-            <a:off x="2075679" y="1603915"/>
-            <a:ext cx="3499509" cy="5035266"/>
+            <a:off x="275399" y="2148413"/>
+            <a:ext cx="5476532" cy="3802146"/>
           </a:xfrm>
-          <a:prstGeom prst="rect">
-            <a:avLst/>
-          </a:prstGeom>
         </p:spPr>
       </p:pic>
       <p:pic>
         <p:nvPicPr>
-          <p:cNvPr id="7" name="Picture 6" descr="A screenshot of a phone&#10;&#10;Description automatically generated">
-            <a:extLst>
-              <a:ext uri="{FF2B5EF4-FFF2-40B4-BE49-F238E27FC236}">
-                <a16:creationId xmlns:a16="http://schemas.microsoft.com/office/drawing/2014/main" id="{338DC9A7-BA20-832D-5EA2-D11448B6ED7B}"/>
+          <p:cNvPr id="10" name="Picture 9" descr="A screenshot of a video game&#10;&#10;Description automatically generated">
+            <a:extLst>
+              <a:ext uri="{FF2B5EF4-FFF2-40B4-BE49-F238E27FC236}">
+                <a16:creationId xmlns:a16="http://schemas.microsoft.com/office/drawing/2014/main" id="{F5C0586C-945A-1663-150F-C4F6782DDB9E}"/>
               </a:ext>
             </a:extLst>
           </p:cNvPr>
@@ -11461,8 +11461,8 @@
         </p:blipFill>
         <p:spPr>
           <a:xfrm>
-            <a:off x="7831619" y="1603916"/>
-            <a:ext cx="2328809" cy="5035265"/>
+            <a:off x="6193023" y="2148413"/>
+            <a:ext cx="5481684" cy="3802146"/>
           </a:xfrm>
           <a:prstGeom prst="rect">
             <a:avLst/>
@@ -11472,7 +11472,7 @@
     </p:spTree>
     <p:extLst>
       <p:ext uri="{BB962C8B-B14F-4D97-AF65-F5344CB8AC3E}">
-        <p14:creationId xmlns:p14="http://schemas.microsoft.com/office/powerpoint/2010/main" val="3564453964"/>
+        <p14:creationId xmlns:p14="http://schemas.microsoft.com/office/powerpoint/2010/main" val="1416773137"/>
       </p:ext>
     </p:extLst>
   </p:cSld>
